--- a/TC/075 - Nô-ên Đêm Vui Thỏa.pptx
+++ b/TC/075 - Nô-ên Đêm Vui Thỏa.pptx
@@ -167,7 +167,7 @@
           </a:lstStyle>
           <a:p>
             <a:r>
-              <a:rPr lang="en-US" smtClean="0"/>
+              <a:rPr lang="en-US"/>
               <a:t>Click to edit Master title style</a:t>
             </a:r>
             <a:endParaRPr lang="en-US" dirty="0"/>
@@ -232,7 +232,7 @@
           </a:lstStyle>
           <a:p>
             <a:r>
-              <a:rPr lang="en-US" smtClean="0"/>
+              <a:rPr lang="en-US"/>
               <a:t>Click to edit Master subtitle style</a:t>
             </a:r>
             <a:endParaRPr lang="en-US" dirty="0"/>
@@ -263,7 +263,7 @@
                 </a:solidFill>
               </a:rPr>
               <a:pPr/>
-              <a:t>19/11/2013</a:t>
+              <a:t>Sun, 11/22/2020</a:t>
             </a:fld>
             <a:endParaRPr lang="en-US">
               <a:solidFill>
@@ -391,7 +391,7 @@
           </a:lstStyle>
           <a:p>
             <a:r>
-              <a:rPr lang="en-US" smtClean="0"/>
+              <a:rPr lang="en-US"/>
               <a:t>Click to edit Master title style</a:t>
             </a:r>
             <a:endParaRPr lang="en-US" dirty="0"/>
@@ -456,7 +456,7 @@
           </a:lstStyle>
           <a:p>
             <a:r>
-              <a:rPr lang="en-US" smtClean="0"/>
+              <a:rPr lang="en-US"/>
               <a:t>Click to edit Master subtitle style</a:t>
             </a:r>
             <a:endParaRPr lang="en-US" dirty="0"/>
@@ -487,7 +487,7 @@
                 </a:solidFill>
               </a:rPr>
               <a:pPr/>
-              <a:t>19/11/2013</a:t>
+              <a:t>Sun, 11/22/2020</a:t>
             </a:fld>
             <a:endParaRPr lang="en-US">
               <a:solidFill>
@@ -630,7 +630,7 @@
           <a:lstStyle/>
           <a:p>
             <a:r>
-              <a:rPr lang="en-US" smtClean="0"/>
+              <a:rPr lang="en-US"/>
               <a:t>Click to edit Master title style</a:t>
             </a:r>
             <a:endParaRPr lang="en-US" dirty="0"/>
@@ -664,38 +664,37 @@
           <a:p>
             <a:pPr lvl="0"/>
             <a:r>
-              <a:rPr lang="en-US" smtClean="0"/>
+              <a:rPr lang="en-US" dirty="0"/>
               <a:t>Click to edit Master text styles</a:t>
             </a:r>
           </a:p>
           <a:p>
             <a:pPr lvl="1"/>
             <a:r>
-              <a:rPr lang="en-US" smtClean="0"/>
+              <a:rPr lang="en-US" dirty="0"/>
               <a:t>Second level</a:t>
             </a:r>
           </a:p>
           <a:p>
             <a:pPr lvl="2"/>
             <a:r>
-              <a:rPr lang="en-US" smtClean="0"/>
+              <a:rPr lang="en-US" dirty="0"/>
               <a:t>Third level</a:t>
             </a:r>
           </a:p>
           <a:p>
             <a:pPr lvl="3"/>
             <a:r>
-              <a:rPr lang="en-US" smtClean="0"/>
+              <a:rPr lang="en-US" dirty="0"/>
               <a:t>Fourth level</a:t>
             </a:r>
           </a:p>
           <a:p>
             <a:pPr lvl="4"/>
             <a:r>
-              <a:rPr lang="en-US" smtClean="0"/>
+              <a:rPr lang="en-US" dirty="0"/>
               <a:t>Fifth level</a:t>
             </a:r>
-            <a:endParaRPr lang="en-US" dirty="0"/>
           </a:p>
         </p:txBody>
       </p:sp>
@@ -728,6 +727,7 @@
                     <a:tint val="75000"/>
                   </a:schemeClr>
                 </a:solidFill>
+                <a:latin typeface="VNI-Times" pitchFamily="2" charset="0"/>
               </a:defRPr>
             </a:lvl1pPr>
           </a:lstStyle>
@@ -741,9 +741,9 @@
                 </a:solidFill>
               </a:rPr>
               <a:pPr/>
-              <a:t>19/11/2013</a:t>
+              <a:t>Sun, 11/22/2020</a:t>
             </a:fld>
-            <a:endParaRPr lang="en-US">
+            <a:endParaRPr lang="en-US" dirty="0">
               <a:solidFill>
                 <a:prstClr val="black">
                   <a:tint val="75000"/>
@@ -782,11 +782,12 @@
                     <a:tint val="75000"/>
                   </a:schemeClr>
                 </a:solidFill>
+                <a:latin typeface="VNI-Times" pitchFamily="2" charset="0"/>
               </a:defRPr>
             </a:lvl1pPr>
           </a:lstStyle>
           <a:p>
-            <a:endParaRPr lang="en-US">
+            <a:endParaRPr lang="en-US" dirty="0">
               <a:solidFill>
                 <a:prstClr val="black">
                   <a:tint val="75000"/>
@@ -825,6 +826,7 @@
                     <a:tint val="75000"/>
                   </a:schemeClr>
                 </a:solidFill>
+                <a:latin typeface="VNI-Times" pitchFamily="2" charset="0"/>
               </a:defRPr>
             </a:lvl1pPr>
           </a:lstStyle>
@@ -840,7 +842,7 @@
               <a:pPr/>
               <a:t>‹#›</a:t>
             </a:fld>
-            <a:endParaRPr lang="en-US">
+            <a:endParaRPr lang="en-US" dirty="0">
               <a:solidFill>
                 <a:prstClr val="black">
                   <a:tint val="75000"/>
@@ -895,7 +897,7 @@
           <a:solidFill>
             <a:schemeClr val="tx1"/>
           </a:solidFill>
-          <a:latin typeface="+mn-lt"/>
+          <a:latin typeface="VNI-Times" pitchFamily="2" charset="0"/>
           <a:ea typeface="+mn-ea"/>
           <a:cs typeface="+mn-cs"/>
         </a:defRPr>
@@ -913,7 +915,7 @@
           <a:solidFill>
             <a:schemeClr val="tx1"/>
           </a:solidFill>
-          <a:latin typeface="+mn-lt"/>
+          <a:latin typeface="VNI-Times" pitchFamily="2" charset="0"/>
           <a:ea typeface="+mn-ea"/>
           <a:cs typeface="+mn-cs"/>
         </a:defRPr>
@@ -931,7 +933,7 @@
           <a:solidFill>
             <a:schemeClr val="tx1"/>
           </a:solidFill>
-          <a:latin typeface="+mn-lt"/>
+          <a:latin typeface="VNI-Times" pitchFamily="2" charset="0"/>
           <a:ea typeface="+mn-ea"/>
           <a:cs typeface="+mn-cs"/>
         </a:defRPr>
@@ -949,7 +951,7 @@
           <a:solidFill>
             <a:schemeClr val="tx1"/>
           </a:solidFill>
-          <a:latin typeface="+mn-lt"/>
+          <a:latin typeface="VNI-Times" pitchFamily="2" charset="0"/>
           <a:ea typeface="+mn-ea"/>
           <a:cs typeface="+mn-cs"/>
         </a:defRPr>
@@ -967,7 +969,7 @@
           <a:solidFill>
             <a:schemeClr val="tx1"/>
           </a:solidFill>
-          <a:latin typeface="+mn-lt"/>
+          <a:latin typeface="VNI-Times" pitchFamily="2" charset="0"/>
           <a:ea typeface="+mn-ea"/>
           <a:cs typeface="+mn-cs"/>
         </a:defRPr>
@@ -1201,7 +1203,7 @@
           <a:lstStyle/>
           <a:p>
             <a:r>
-              <a:rPr lang="en-US" smtClean="0"/>
+              <a:rPr lang="en-US"/>
               <a:t>Click to edit Master title style</a:t>
             </a:r>
             <a:endParaRPr lang="en-US" dirty="0"/>
@@ -1235,38 +1237,37 @@
           <a:p>
             <a:pPr lvl="0"/>
             <a:r>
-              <a:rPr lang="en-US" smtClean="0"/>
+              <a:rPr lang="en-US" dirty="0"/>
               <a:t>Click to edit Master text styles</a:t>
             </a:r>
           </a:p>
           <a:p>
             <a:pPr lvl="1"/>
             <a:r>
-              <a:rPr lang="en-US" smtClean="0"/>
+              <a:rPr lang="en-US" dirty="0"/>
               <a:t>Second level</a:t>
             </a:r>
           </a:p>
           <a:p>
             <a:pPr lvl="2"/>
             <a:r>
-              <a:rPr lang="en-US" smtClean="0"/>
+              <a:rPr lang="en-US" dirty="0"/>
               <a:t>Third level</a:t>
             </a:r>
           </a:p>
           <a:p>
             <a:pPr lvl="3"/>
             <a:r>
-              <a:rPr lang="en-US" smtClean="0"/>
+              <a:rPr lang="en-US" dirty="0"/>
               <a:t>Fourth level</a:t>
             </a:r>
           </a:p>
           <a:p>
             <a:pPr lvl="4"/>
             <a:r>
-              <a:rPr lang="en-US" smtClean="0"/>
+              <a:rPr lang="en-US" dirty="0"/>
               <a:t>Fifth level</a:t>
             </a:r>
-            <a:endParaRPr lang="en-US" dirty="0"/>
           </a:p>
         </p:txBody>
       </p:sp>
@@ -1299,6 +1300,7 @@
                     <a:tint val="75000"/>
                   </a:schemeClr>
                 </a:solidFill>
+                <a:latin typeface="VNI-Times" pitchFamily="2" charset="0"/>
               </a:defRPr>
             </a:lvl1pPr>
           </a:lstStyle>
@@ -1312,9 +1314,9 @@
                 </a:solidFill>
               </a:rPr>
               <a:pPr/>
-              <a:t>19/11/2013</a:t>
+              <a:t>Sun, 11/22/2020</a:t>
             </a:fld>
-            <a:endParaRPr lang="en-US">
+            <a:endParaRPr lang="en-US" dirty="0">
               <a:solidFill>
                 <a:prstClr val="black">
                   <a:tint val="75000"/>
@@ -1353,11 +1355,12 @@
                     <a:tint val="75000"/>
                   </a:schemeClr>
                 </a:solidFill>
+                <a:latin typeface="VNI-Times" pitchFamily="2" charset="0"/>
               </a:defRPr>
             </a:lvl1pPr>
           </a:lstStyle>
           <a:p>
-            <a:endParaRPr lang="en-US">
+            <a:endParaRPr lang="en-US" dirty="0">
               <a:solidFill>
                 <a:prstClr val="black">
                   <a:tint val="75000"/>
@@ -1396,6 +1399,7 @@
                     <a:tint val="75000"/>
                   </a:schemeClr>
                 </a:solidFill>
+                <a:latin typeface="VNI-Times" pitchFamily="2" charset="0"/>
               </a:defRPr>
             </a:lvl1pPr>
           </a:lstStyle>
@@ -1411,7 +1415,7 @@
               <a:pPr/>
               <a:t>‹#›</a:t>
             </a:fld>
-            <a:endParaRPr lang="en-US">
+            <a:endParaRPr lang="en-US" dirty="0">
               <a:solidFill>
                 <a:prstClr val="black">
                   <a:tint val="75000"/>
@@ -1466,7 +1470,7 @@
           <a:solidFill>
             <a:schemeClr val="tx1"/>
           </a:solidFill>
-          <a:latin typeface="+mn-lt"/>
+          <a:latin typeface="VNI-Times" pitchFamily="2" charset="0"/>
           <a:ea typeface="+mn-ea"/>
           <a:cs typeface="+mn-cs"/>
         </a:defRPr>
@@ -1484,7 +1488,7 @@
           <a:solidFill>
             <a:schemeClr val="tx1"/>
           </a:solidFill>
-          <a:latin typeface="+mn-lt"/>
+          <a:latin typeface="VNI-Times" pitchFamily="2" charset="0"/>
           <a:ea typeface="+mn-ea"/>
           <a:cs typeface="+mn-cs"/>
         </a:defRPr>
@@ -1502,7 +1506,7 @@
           <a:solidFill>
             <a:schemeClr val="tx1"/>
           </a:solidFill>
-          <a:latin typeface="+mn-lt"/>
+          <a:latin typeface="VNI-Times" pitchFamily="2" charset="0"/>
           <a:ea typeface="+mn-ea"/>
           <a:cs typeface="+mn-cs"/>
         </a:defRPr>
@@ -1520,7 +1524,7 @@
           <a:solidFill>
             <a:schemeClr val="tx1"/>
           </a:solidFill>
-          <a:latin typeface="+mn-lt"/>
+          <a:latin typeface="VNI-Times" pitchFamily="2" charset="0"/>
           <a:ea typeface="+mn-ea"/>
           <a:cs typeface="+mn-cs"/>
         </a:defRPr>
@@ -1538,7 +1542,7 @@
           <a:solidFill>
             <a:schemeClr val="tx1"/>
           </a:solidFill>
-          <a:latin typeface="+mn-lt"/>
+          <a:latin typeface="VNI-Times" pitchFamily="2" charset="0"/>
           <a:ea typeface="+mn-ea"/>
           <a:cs typeface="+mn-cs"/>
         </a:defRPr>
@@ -1756,7 +1760,7 @@
           <a:p>
             <a:pPr algn="ctr"/>
             <a:r>
-              <a:rPr lang="en-US" sz="7200" smtClean="0">
+              <a:rPr lang="en-US" sz="7200" dirty="0">
                 <a:solidFill>
                   <a:srgbClr val="C00000"/>
                 </a:solidFill>
@@ -1765,12 +1769,12 @@
                     <a:prstClr val="white"/>
                   </a:glow>
                 </a:effectLst>
-                <a:latin typeface="HP-Kabel" pitchFamily="34" charset="0"/>
+                <a:latin typeface="VNI-Times" pitchFamily="2" charset="0"/>
               </a:rPr>
               <a:t>NOÂ-EÂN, </a:t>
             </a:r>
             <a:br>
-              <a:rPr lang="en-US" sz="7200" smtClean="0">
+              <a:rPr lang="en-US" sz="7200" dirty="0">
                 <a:solidFill>
                   <a:srgbClr val="C00000"/>
                 </a:solidFill>
@@ -1779,11 +1783,11 @@
                     <a:prstClr val="white"/>
                   </a:glow>
                 </a:effectLst>
-                <a:latin typeface="HP-Kabel" pitchFamily="34" charset="0"/>
+                <a:latin typeface="VNI-Times" pitchFamily="2" charset="0"/>
               </a:rPr>
             </a:br>
             <a:r>
-              <a:rPr lang="en-US" sz="7200" smtClean="0">
+              <a:rPr lang="en-US" sz="7200" dirty="0">
                 <a:solidFill>
                   <a:srgbClr val="C00000"/>
                 </a:solidFill>
@@ -1792,7 +1796,7 @@
                     <a:prstClr val="white"/>
                   </a:glow>
                 </a:effectLst>
-                <a:latin typeface="HP-Kabel" pitchFamily="34" charset="0"/>
+                <a:latin typeface="VNI-Times" pitchFamily="2" charset="0"/>
               </a:rPr>
               <a:t>ÑEÂM VUI THOÛA</a:t>
             </a:r>
@@ -1823,7 +1827,7 @@
           <a:p>
             <a:pPr algn="ctr"/>
             <a:r>
-              <a:rPr lang="en-US" sz="3500" b="1">
+              <a:rPr lang="en-US" sz="3500" b="1" dirty="0">
                 <a:solidFill>
                   <a:prstClr val="black"/>
                 </a:solidFill>
@@ -1832,35 +1836,10 @@
                     <a:prstClr val="white"/>
                   </a:glow>
                 </a:effectLst>
-                <a:latin typeface="VNI-Bamas" pitchFamily="34" charset="0"/>
-              </a:rPr>
-              <a:t>TOÂN VINH CHUÙA – THAÙNH CA </a:t>
-            </a:r>
-            <a:r>
-              <a:rPr lang="en-US" sz="3500" b="1" smtClean="0">
-                <a:solidFill>
-                  <a:prstClr val="black"/>
-                </a:solidFill>
-                <a:effectLst>
-                  <a:glow rad="127000">
-                    <a:prstClr val="white"/>
-                  </a:glow>
-                </a:effectLst>
-                <a:latin typeface="VNI-Bamas" pitchFamily="34" charset="0"/>
-              </a:rPr>
-              <a:t>75</a:t>
-            </a:r>
-            <a:endParaRPr lang="en-US" sz="3500" b="1">
-              <a:solidFill>
-                <a:prstClr val="black"/>
-              </a:solidFill>
-              <a:effectLst>
-                <a:glow rad="127000">
-                  <a:prstClr val="white"/>
-                </a:glow>
-              </a:effectLst>
-              <a:latin typeface="VNI-Bamas" pitchFamily="34" charset="0"/>
-            </a:endParaRPr>
+                <a:latin typeface="VNI-Bandit" pitchFamily="2" charset="0"/>
+              </a:rPr>
+              <a:t>TOÂN VINH CHUÙA – THAÙNH CA 75</a:t>
+            </a:r>
           </a:p>
         </p:txBody>
       </p:sp>
@@ -1886,13 +1865,6 @@
       </p:transition>
     </mc:Fallback>
   </mc:AlternateContent>
-  <p:timing>
-    <p:tnLst>
-      <p:par>
-        <p:cTn id="1" dur="indefinite" restart="never" nodeType="tmRoot"/>
-      </p:par>
-    </p:tnLst>
-  </p:timing>
 </p:sld>
 </file>
 
@@ -1937,7 +1909,7 @@
           <a:p>
             <a:pPr algn="ctr"/>
             <a:r>
-              <a:rPr lang="en-US" sz="3400" smtClean="0">
+              <a:rPr lang="en-US" sz="3400" dirty="0">
                 <a:solidFill>
                   <a:srgbClr val="C00000"/>
                 </a:solidFill>
@@ -1946,7 +1918,7 @@
                     <a:prstClr val="white"/>
                   </a:glow>
                 </a:effectLst>
-                <a:latin typeface="HP-Kabel" pitchFamily="34" charset="0"/>
+                <a:latin typeface="VNI-Times" pitchFamily="2" charset="0"/>
               </a:rPr>
               <a:t>THAÙNH CA 75 – NOÂ-EÂN, ÑEÂM VUI THOÛA</a:t>
             </a:r>
@@ -2021,7 +1993,7 @@
           </a:lstStyle>
           <a:p>
             <a:r>
-              <a:rPr lang="en-US" sz="4400" smtClean="0">
+              <a:rPr lang="en-US" sz="4400">
                 <a:effectLst>
                   <a:glow rad="127000">
                     <a:prstClr val="white"/>
@@ -2089,25 +2061,18 @@
   <p:clrMapOvr>
     <a:masterClrMapping/>
   </p:clrMapOvr>
-  <mc:AlternateContent xmlns:mc="http://schemas.openxmlformats.org/markup-compatibility/2006">
-    <mc:Choice xmlns:p14="http://schemas.microsoft.com/office/powerpoint/2010/main" Requires="p14">
+  <mc:AlternateContent xmlns:mc="http://schemas.openxmlformats.org/markup-compatibility/2006" xmlns:p14="http://schemas.microsoft.com/office/powerpoint/2010/main">
+    <mc:Choice Requires="p14">
       <p:transition spd="med" p14:dur="700">
         <p:fade/>
       </p:transition>
     </mc:Choice>
-    <mc:Fallback>
+    <mc:Fallback xmlns="">
       <p:transition spd="med">
         <p:fade/>
       </p:transition>
     </mc:Fallback>
   </mc:AlternateContent>
-  <p:timing>
-    <p:tnLst>
-      <p:par>
-        <p:cTn id="1" dur="indefinite" restart="never" nodeType="tmRoot"/>
-      </p:par>
-    </p:tnLst>
-  </p:timing>
 </p:sld>
 </file>
 
@@ -2229,18 +2194,8 @@
               </a:rPr>
               <a:t>ñeå cheát treân thaäp </a:t>
             </a:r>
-            <a:r>
-              <a:rPr lang="en-US" smtClean="0">
-                <a:effectLst>
-                  <a:glow rad="127000">
-                    <a:prstClr val="white"/>
-                  </a:glow>
-                </a:effectLst>
-              </a:rPr>
-              <a:t/>
-            </a:r>
             <a:br>
-              <a:rPr lang="en-US" smtClean="0">
+              <a:rPr lang="en-US">
                 <a:effectLst>
                   <a:glow rad="127000">
                     <a:prstClr val="white"/>
@@ -2249,16 +2204,6 @@
               </a:rPr>
             </a:br>
             <a:r>
-              <a:rPr lang="en-US" smtClean="0">
-                <a:effectLst>
-                  <a:glow rad="127000">
-                    <a:prstClr val="white"/>
-                  </a:glow>
-                </a:effectLst>
-              </a:rPr>
-              <a:t>giaù </a:t>
-            </a:r>
-            <a:r>
               <a:rPr lang="en-US">
                 <a:effectLst>
                   <a:glow rad="127000">
@@ -2266,7 +2211,7 @@
                   </a:glow>
                 </a:effectLst>
               </a:rPr>
-              <a:t>thay mình.</a:t>
+              <a:t>giaù thay mình.</a:t>
             </a:r>
           </a:p>
         </p:txBody>
@@ -2295,7 +2240,7 @@
           <a:p>
             <a:pPr algn="ctr"/>
             <a:r>
-              <a:rPr lang="en-US" sz="3400" smtClean="0">
+              <a:rPr lang="en-US" sz="3400" dirty="0">
                 <a:solidFill>
                   <a:srgbClr val="C00000"/>
                 </a:solidFill>
@@ -2304,7 +2249,7 @@
                     <a:prstClr val="white"/>
                   </a:glow>
                 </a:effectLst>
-                <a:latin typeface="HP-Kabel" pitchFamily="34" charset="0"/>
+                <a:latin typeface="VNI-Times" pitchFamily="2" charset="0"/>
               </a:rPr>
               <a:t>THAÙNH CA 75 – NOÂ-EÂN, ÑEÂM VUI THOÛA</a:t>
             </a:r>
@@ -2321,21 +2266,6 @@
   <p:clrMapOvr>
     <a:masterClrMapping/>
   </p:clrMapOvr>
-  <mc:AlternateContent xmlns:mc="http://schemas.openxmlformats.org/markup-compatibility/2006" xmlns:p14="http://schemas.microsoft.com/office/powerpoint/2010/main">
-    <mc:Choice Requires="p14">
-      <p:transition p14:dur="0"/>
-    </mc:Choice>
-    <mc:Fallback xmlns="">
-      <p:transition/>
-    </mc:Fallback>
-  </mc:AlternateContent>
-  <p:timing>
-    <p:tnLst>
-      <p:par>
-        <p:cTn id="1" dur="indefinite" restart="never" nodeType="tmRoot"/>
-      </p:par>
-    </p:tnLst>
-  </p:timing>
 </p:sld>
 </file>
 
@@ -2441,20 +2371,10 @@
                   </a:glow>
                 </a:effectLst>
               </a:rPr>
-              <a:t> Noâ-eân </a:t>
-            </a:r>
-            <a:r>
-              <a:rPr lang="en-US" smtClean="0">
-                <a:effectLst>
-                  <a:glow rad="127000">
-                    <a:prstClr val="white"/>
-                  </a:glow>
-                </a:effectLst>
-              </a:rPr>
-              <a:t>ñeâm </a:t>
+              <a:t> Noâ-eân ñeâm </a:t>
             </a:r>
             <a:br>
-              <a:rPr lang="en-US" smtClean="0">
+              <a:rPr lang="en-US">
                 <a:effectLst>
                   <a:glow rad="127000">
                     <a:prstClr val="white"/>
@@ -2463,16 +2383,6 @@
               </a:rPr>
             </a:br>
             <a:r>
-              <a:rPr lang="en-US" smtClean="0">
-                <a:effectLst>
-                  <a:glow rad="127000">
-                    <a:prstClr val="white"/>
-                  </a:glow>
-                </a:effectLst>
-              </a:rPr>
-              <a:t>vui </a:t>
-            </a:r>
-            <a:r>
               <a:rPr lang="en-US">
                 <a:effectLst>
                   <a:glow rad="127000">
@@ -2480,20 +2390,10 @@
                   </a:glow>
                 </a:effectLst>
               </a:rPr>
-              <a:t>thoûa! </a:t>
-            </a:r>
-            <a:r>
-              <a:rPr lang="en-US" smtClean="0">
-                <a:effectLst>
-                  <a:glow rad="127000">
-                    <a:prstClr val="white"/>
-                  </a:glow>
-                </a:effectLst>
-              </a:rPr>
-              <a:t>Jeâsus </a:t>
+              <a:t>vui thoûa! Jeâsus </a:t>
             </a:r>
             <a:br>
-              <a:rPr lang="en-US" smtClean="0">
+              <a:rPr lang="en-US">
                 <a:effectLst>
                   <a:glow rad="127000">
                     <a:prstClr val="white"/>
@@ -2502,16 +2402,6 @@
               </a:rPr>
             </a:br>
             <a:r>
-              <a:rPr lang="en-US" smtClean="0">
-                <a:effectLst>
-                  <a:glow rad="127000">
-                    <a:prstClr val="white"/>
-                  </a:glow>
-                </a:effectLst>
-              </a:rPr>
-              <a:t>tìm </a:t>
-            </a:r>
-            <a:r>
               <a:rPr lang="en-US">
                 <a:effectLst>
                   <a:glow rad="127000">
@@ -2519,7 +2409,7 @@
                   </a:glow>
                 </a:effectLst>
               </a:rPr>
-              <a:t>kieám ta.</a:t>
+              <a:t>tìm kieám ta.</a:t>
             </a:r>
           </a:p>
         </p:txBody>
@@ -2548,7 +2438,7 @@
           <a:p>
             <a:pPr algn="ctr"/>
             <a:r>
-              <a:rPr lang="en-US" sz="3400" smtClean="0">
+              <a:rPr lang="en-US" sz="3400" dirty="0">
                 <a:solidFill>
                   <a:srgbClr val="C00000"/>
                 </a:solidFill>
@@ -2557,7 +2447,7 @@
                     <a:prstClr val="white"/>
                   </a:glow>
                 </a:effectLst>
-                <a:latin typeface="HP-Kabel" pitchFamily="34" charset="0"/>
+                <a:latin typeface="VNI-Times" pitchFamily="2" charset="0"/>
               </a:rPr>
               <a:t>THAÙNH CA 75 – NOÂ-EÂN, ÑEÂM VUI THOÛA</a:t>
             </a:r>
@@ -2574,21 +2464,6 @@
   <p:clrMapOvr>
     <a:masterClrMapping/>
   </p:clrMapOvr>
-  <mc:AlternateContent xmlns:mc="http://schemas.openxmlformats.org/markup-compatibility/2006" xmlns:p14="http://schemas.microsoft.com/office/powerpoint/2010/main">
-    <mc:Choice Requires="p14">
-      <p:transition p14:dur="0"/>
-    </mc:Choice>
-    <mc:Fallback xmlns="">
-      <p:transition/>
-    </mc:Fallback>
-  </mc:AlternateContent>
-  <p:timing>
-    <p:tnLst>
-      <p:par>
-        <p:cTn id="1" dur="indefinite" restart="never" nodeType="tmRoot"/>
-      </p:par>
-    </p:tnLst>
-  </p:timing>
 </p:sld>
 </file>
 
@@ -2725,7 +2600,7 @@
           <a:p>
             <a:pPr algn="ctr"/>
             <a:r>
-              <a:rPr lang="en-US" sz="3400" smtClean="0">
+              <a:rPr lang="en-US" sz="3400" dirty="0">
                 <a:solidFill>
                   <a:srgbClr val="C00000"/>
                 </a:solidFill>
@@ -2734,7 +2609,7 @@
                     <a:prstClr val="white"/>
                   </a:glow>
                 </a:effectLst>
-                <a:latin typeface="HP-Kabel" pitchFamily="34" charset="0"/>
+                <a:latin typeface="VNI-Times" pitchFamily="2" charset="0"/>
               </a:rPr>
               <a:t>THAÙNH CA 75 – NOÂ-EÂN, ÑEÂM VUI THOÛA</a:t>
             </a:r>
@@ -2751,21 +2626,6 @@
   <p:clrMapOvr>
     <a:masterClrMapping/>
   </p:clrMapOvr>
-  <mc:AlternateContent xmlns:mc="http://schemas.openxmlformats.org/markup-compatibility/2006" xmlns:p14="http://schemas.microsoft.com/office/powerpoint/2010/main">
-    <mc:Choice Requires="p14">
-      <p:transition p14:dur="0"/>
-    </mc:Choice>
-    <mc:Fallback xmlns="">
-      <p:transition/>
-    </mc:Fallback>
-  </mc:AlternateContent>
-  <p:timing>
-    <p:tnLst>
-      <p:par>
-        <p:cTn id="1" dur="indefinite" restart="never" nodeType="tmRoot"/>
-      </p:par>
-    </p:tnLst>
-  </p:timing>
 </p:sld>
 </file>
 
@@ -2810,7 +2670,7 @@
           <a:p>
             <a:pPr algn="ctr"/>
             <a:r>
-              <a:rPr lang="en-US" sz="3400" smtClean="0">
+              <a:rPr lang="en-US" sz="3400" dirty="0">
                 <a:solidFill>
                   <a:srgbClr val="C00000"/>
                 </a:solidFill>
@@ -2819,7 +2679,7 @@
                     <a:prstClr val="white"/>
                   </a:glow>
                 </a:effectLst>
-                <a:latin typeface="HP-Kabel" pitchFamily="34" charset="0"/>
+                <a:latin typeface="VNI-Times" pitchFamily="2" charset="0"/>
               </a:rPr>
               <a:t>THAÙNH CA 75 – NOÂ-EÂN, ÑEÂM VUI THOÛA</a:t>
             </a:r>
@@ -2894,7 +2754,7 @@
           </a:lstStyle>
           <a:p>
             <a:r>
-              <a:rPr lang="en-US" sz="4400" smtClean="0">
+              <a:rPr lang="en-US" sz="4400">
                 <a:effectLst>
                   <a:glow rad="127000">
                     <a:prstClr val="white"/>
@@ -2965,13 +2825,6 @@
   <p:transition spd="slow">
     <p:randomBar dir="vert"/>
   </p:transition>
-  <p:timing>
-    <p:tnLst>
-      <p:par>
-        <p:cTn id="1" dur="indefinite" restart="never" nodeType="tmRoot"/>
-      </p:par>
-    </p:tnLst>
-  </p:timing>
 </p:sld>
 </file>
 
@@ -3132,7 +2985,7 @@
           <a:p>
             <a:pPr algn="ctr"/>
             <a:r>
-              <a:rPr lang="en-US" sz="3400" smtClean="0">
+              <a:rPr lang="en-US" sz="3400" dirty="0">
                 <a:solidFill>
                   <a:srgbClr val="C00000"/>
                 </a:solidFill>
@@ -3141,7 +2994,7 @@
                     <a:prstClr val="white"/>
                   </a:glow>
                 </a:effectLst>
-                <a:latin typeface="HP-Kabel" pitchFamily="34" charset="0"/>
+                <a:latin typeface="VNI-Times" pitchFamily="2" charset="0"/>
               </a:rPr>
               <a:t>THAÙNH CA 75 – NOÂ-EÂN, ÑEÂM VUI THOÛA</a:t>
             </a:r>
@@ -3158,21 +3011,6 @@
   <p:clrMapOvr>
     <a:masterClrMapping/>
   </p:clrMapOvr>
-  <mc:AlternateContent xmlns:mc="http://schemas.openxmlformats.org/markup-compatibility/2006" xmlns:p14="http://schemas.microsoft.com/office/powerpoint/2010/main">
-    <mc:Choice Requires="p14">
-      <p:transition p14:dur="0"/>
-    </mc:Choice>
-    <mc:Fallback xmlns="">
-      <p:transition/>
-    </mc:Fallback>
-  </mc:AlternateContent>
-  <p:timing>
-    <p:tnLst>
-      <p:par>
-        <p:cTn id="1" dur="indefinite" restart="never" nodeType="tmRoot"/>
-      </p:par>
-    </p:tnLst>
-  </p:timing>
 </p:sld>
 </file>
 
@@ -3278,20 +3116,10 @@
                   </a:glow>
                 </a:effectLst>
               </a:rPr>
-              <a:t> Noâ-eân </a:t>
-            </a:r>
-            <a:r>
-              <a:rPr lang="en-US" smtClean="0">
-                <a:effectLst>
-                  <a:glow rad="127000">
-                    <a:prstClr val="white"/>
-                  </a:glow>
-                </a:effectLst>
-              </a:rPr>
-              <a:t>ñeâm </a:t>
+              <a:t> Noâ-eân ñeâm </a:t>
             </a:r>
             <a:br>
-              <a:rPr lang="en-US" smtClean="0">
+              <a:rPr lang="en-US">
                 <a:effectLst>
                   <a:glow rad="127000">
                     <a:prstClr val="white"/>
@@ -3300,16 +3128,6 @@
               </a:rPr>
             </a:br>
             <a:r>
-              <a:rPr lang="en-US" smtClean="0">
-                <a:effectLst>
-                  <a:glow rad="127000">
-                    <a:prstClr val="white"/>
-                  </a:glow>
-                </a:effectLst>
-              </a:rPr>
-              <a:t>vui </a:t>
-            </a:r>
-            <a:r>
               <a:rPr lang="en-US">
                 <a:effectLst>
                   <a:glow rad="127000">
@@ -3317,20 +3135,10 @@
                   </a:glow>
                 </a:effectLst>
               </a:rPr>
-              <a:t>thoûa! </a:t>
-            </a:r>
-            <a:r>
-              <a:rPr lang="en-US" smtClean="0">
-                <a:effectLst>
-                  <a:glow rad="127000">
-                    <a:prstClr val="white"/>
-                  </a:glow>
-                </a:effectLst>
-              </a:rPr>
-              <a:t>Jeâsus </a:t>
+              <a:t>vui thoûa! Jeâsus </a:t>
             </a:r>
             <a:br>
-              <a:rPr lang="en-US" smtClean="0">
+              <a:rPr lang="en-US">
                 <a:effectLst>
                   <a:glow rad="127000">
                     <a:prstClr val="white"/>
@@ -3339,16 +3147,6 @@
               </a:rPr>
             </a:br>
             <a:r>
-              <a:rPr lang="en-US" smtClean="0">
-                <a:effectLst>
-                  <a:glow rad="127000">
-                    <a:prstClr val="white"/>
-                  </a:glow>
-                </a:effectLst>
-              </a:rPr>
-              <a:t>tìm </a:t>
-            </a:r>
-            <a:r>
               <a:rPr lang="en-US">
                 <a:effectLst>
                   <a:glow rad="127000">
@@ -3356,7 +3154,7 @@
                   </a:glow>
                 </a:effectLst>
               </a:rPr>
-              <a:t>kieám ta.</a:t>
+              <a:t>tìm kieám ta.</a:t>
             </a:r>
           </a:p>
         </p:txBody>
@@ -3385,7 +3183,7 @@
           <a:p>
             <a:pPr algn="ctr"/>
             <a:r>
-              <a:rPr lang="en-US" sz="3400" smtClean="0">
+              <a:rPr lang="en-US" sz="3400" dirty="0">
                 <a:solidFill>
                   <a:srgbClr val="C00000"/>
                 </a:solidFill>
@@ -3394,7 +3192,7 @@
                     <a:prstClr val="white"/>
                   </a:glow>
                 </a:effectLst>
-                <a:latin typeface="HP-Kabel" pitchFamily="34" charset="0"/>
+                <a:latin typeface="VNI-Times" pitchFamily="2" charset="0"/>
               </a:rPr>
               <a:t>THAÙNH CA 75 – NOÂ-EÂN, ÑEÂM VUI THOÛA</a:t>
             </a:r>
@@ -3411,21 +3209,6 @@
   <p:clrMapOvr>
     <a:masterClrMapping/>
   </p:clrMapOvr>
-  <mc:AlternateContent xmlns:mc="http://schemas.openxmlformats.org/markup-compatibility/2006" xmlns:p14="http://schemas.microsoft.com/office/powerpoint/2010/main">
-    <mc:Choice Requires="p14">
-      <p:transition p14:dur="0"/>
-    </mc:Choice>
-    <mc:Fallback xmlns="">
-      <p:transition/>
-    </mc:Fallback>
-  </mc:AlternateContent>
-  <p:timing>
-    <p:tnLst>
-      <p:par>
-        <p:cTn id="1" dur="indefinite" restart="never" nodeType="tmRoot"/>
-      </p:par>
-    </p:tnLst>
-  </p:timing>
 </p:sld>
 </file>
 
@@ -3562,7 +3345,7 @@
           <a:p>
             <a:pPr algn="ctr"/>
             <a:r>
-              <a:rPr lang="en-US" sz="3400" smtClean="0">
+              <a:rPr lang="en-US" sz="3400" dirty="0">
                 <a:solidFill>
                   <a:srgbClr val="C00000"/>
                 </a:solidFill>
@@ -3571,7 +3354,7 @@
                     <a:prstClr val="white"/>
                   </a:glow>
                 </a:effectLst>
-                <a:latin typeface="HP-Kabel" pitchFamily="34" charset="0"/>
+                <a:latin typeface="VNI-Times" pitchFamily="2" charset="0"/>
               </a:rPr>
               <a:t>THAÙNH CA 75 – NOÂ-EÂN, ÑEÂM VUI THOÛA</a:t>
             </a:r>
@@ -3588,21 +3371,6 @@
   <p:clrMapOvr>
     <a:masterClrMapping/>
   </p:clrMapOvr>
-  <mc:AlternateContent xmlns:mc="http://schemas.openxmlformats.org/markup-compatibility/2006" xmlns:p14="http://schemas.microsoft.com/office/powerpoint/2010/main">
-    <mc:Choice Requires="p14">
-      <p:transition p14:dur="0"/>
-    </mc:Choice>
-    <mc:Fallback xmlns="">
-      <p:transition/>
-    </mc:Fallback>
-  </mc:AlternateContent>
-  <p:timing>
-    <p:tnLst>
-      <p:par>
-        <p:cTn id="1" dur="indefinite" restart="never" nodeType="tmRoot"/>
-      </p:par>
-    </p:tnLst>
-  </p:timing>
 </p:sld>
 </file>
 
@@ -3647,7 +3415,7 @@
           <a:p>
             <a:pPr algn="ctr"/>
             <a:r>
-              <a:rPr lang="en-US" sz="3400" smtClean="0">
+              <a:rPr lang="en-US" sz="3400" dirty="0">
                 <a:solidFill>
                   <a:srgbClr val="C00000"/>
                 </a:solidFill>
@@ -3656,7 +3424,7 @@
                     <a:prstClr val="white"/>
                   </a:glow>
                 </a:effectLst>
-                <a:latin typeface="HP-Kabel" pitchFamily="34" charset="0"/>
+                <a:latin typeface="VNI-Times" pitchFamily="2" charset="0"/>
               </a:rPr>
               <a:t>THAÙNH CA 75 – NOÂ-EÂN, ÑEÂM VUI THOÛA</a:t>
             </a:r>
@@ -3731,7 +3499,7 @@
           </a:lstStyle>
           <a:p>
             <a:r>
-              <a:rPr lang="en-US" sz="4400" smtClean="0">
+              <a:rPr lang="en-US" sz="4400">
                 <a:effectLst>
                   <a:glow rad="127000">
                     <a:prstClr val="white"/>
@@ -3799,21 +3567,6 @@
   <p:clrMapOvr>
     <a:masterClrMapping/>
   </p:clrMapOvr>
-  <mc:AlternateContent xmlns:mc="http://schemas.openxmlformats.org/markup-compatibility/2006" xmlns:p14="http://schemas.microsoft.com/office/powerpoint/2010/main">
-    <mc:Choice Requires="p14">
-      <p:transition p14:dur="0"/>
-    </mc:Choice>
-    <mc:Fallback xmlns="">
-      <p:transition/>
-    </mc:Fallback>
-  </mc:AlternateContent>
-  <p:timing>
-    <p:tnLst>
-      <p:par>
-        <p:cTn id="1" dur="indefinite" restart="never" nodeType="tmRoot"/>
-      </p:par>
-    </p:tnLst>
-  </p:timing>
 </p:sld>
 </file>
 
@@ -3933,20 +3686,10 @@
                   </a:glow>
                 </a:effectLst>
               </a:rPr>
-              <a:t>ñeå theá gian </a:t>
-            </a:r>
-            <a:r>
-              <a:rPr lang="en-US" smtClean="0">
-                <a:effectLst>
-                  <a:glow rad="127000">
-                    <a:prstClr val="white"/>
-                  </a:glow>
-                </a:effectLst>
-              </a:rPr>
-              <a:t>nhaän </a:t>
+              <a:t>ñeå theá gian nhaän </a:t>
             </a:r>
             <a:br>
-              <a:rPr lang="en-US" smtClean="0">
+              <a:rPr lang="en-US">
                 <a:effectLst>
                   <a:glow rad="127000">
                     <a:prstClr val="white"/>
@@ -3955,16 +3698,6 @@
               </a:rPr>
             </a:br>
             <a:r>
-              <a:rPr lang="en-US" smtClean="0">
-                <a:effectLst>
-                  <a:glow rad="127000">
-                    <a:prstClr val="white"/>
-                  </a:glow>
-                </a:effectLst>
-              </a:rPr>
-              <a:t>bieát </a:t>
-            </a:r>
-            <a:r>
               <a:rPr lang="en-US">
                 <a:effectLst>
                   <a:glow rad="127000">
@@ -3972,7 +3705,7 @@
                   </a:glow>
                 </a:effectLst>
               </a:rPr>
-              <a:t>Vua mình.</a:t>
+              <a:t>bieát Vua mình.</a:t>
             </a:r>
           </a:p>
         </p:txBody>
@@ -4001,7 +3734,7 @@
           <a:p>
             <a:pPr algn="ctr"/>
             <a:r>
-              <a:rPr lang="en-US" sz="3400" smtClean="0">
+              <a:rPr lang="en-US" sz="3400" dirty="0">
                 <a:solidFill>
                   <a:srgbClr val="C00000"/>
                 </a:solidFill>
@@ -4010,7 +3743,7 @@
                     <a:prstClr val="white"/>
                   </a:glow>
                 </a:effectLst>
-                <a:latin typeface="HP-Kabel" pitchFamily="34" charset="0"/>
+                <a:latin typeface="VNI-Times" pitchFamily="2" charset="0"/>
               </a:rPr>
               <a:t>THAÙNH CA 75 – NOÂ-EÂN, ÑEÂM VUI THOÛA</a:t>
             </a:r>
@@ -4027,21 +3760,6 @@
   <p:clrMapOvr>
     <a:masterClrMapping/>
   </p:clrMapOvr>
-  <mc:AlternateContent xmlns:mc="http://schemas.openxmlformats.org/markup-compatibility/2006" xmlns:p14="http://schemas.microsoft.com/office/powerpoint/2010/main">
-    <mc:Choice Requires="p14">
-      <p:transition p14:dur="0"/>
-    </mc:Choice>
-    <mc:Fallback xmlns="">
-      <p:transition/>
-    </mc:Fallback>
-  </mc:AlternateContent>
-  <p:timing>
-    <p:tnLst>
-      <p:par>
-        <p:cTn id="1" dur="indefinite" restart="never" nodeType="tmRoot"/>
-      </p:par>
-    </p:tnLst>
-  </p:timing>
 </p:sld>
 </file>
 
@@ -4147,20 +3865,10 @@
                   </a:glow>
                 </a:effectLst>
               </a:rPr>
-              <a:t> Noâ-eân </a:t>
-            </a:r>
-            <a:r>
-              <a:rPr lang="en-US" smtClean="0">
-                <a:effectLst>
-                  <a:glow rad="127000">
-                    <a:prstClr val="white"/>
-                  </a:glow>
-                </a:effectLst>
-              </a:rPr>
-              <a:t>ñeâm </a:t>
+              <a:t> Noâ-eân ñeâm </a:t>
             </a:r>
             <a:br>
-              <a:rPr lang="en-US" smtClean="0">
+              <a:rPr lang="en-US">
                 <a:effectLst>
                   <a:glow rad="127000">
                     <a:prstClr val="white"/>
@@ -4169,16 +3877,6 @@
               </a:rPr>
             </a:br>
             <a:r>
-              <a:rPr lang="en-US" smtClean="0">
-                <a:effectLst>
-                  <a:glow rad="127000">
-                    <a:prstClr val="white"/>
-                  </a:glow>
-                </a:effectLst>
-              </a:rPr>
-              <a:t>vui </a:t>
-            </a:r>
-            <a:r>
               <a:rPr lang="en-US">
                 <a:effectLst>
                   <a:glow rad="127000">
@@ -4186,20 +3884,10 @@
                   </a:glow>
                 </a:effectLst>
               </a:rPr>
-              <a:t>thoûa! </a:t>
-            </a:r>
-            <a:r>
-              <a:rPr lang="en-US" smtClean="0">
-                <a:effectLst>
-                  <a:glow rad="127000">
-                    <a:prstClr val="white"/>
-                  </a:glow>
-                </a:effectLst>
-              </a:rPr>
-              <a:t>Jeâsus </a:t>
+              <a:t>vui thoûa! Jeâsus </a:t>
             </a:r>
             <a:br>
-              <a:rPr lang="en-US" smtClean="0">
+              <a:rPr lang="en-US">
                 <a:effectLst>
                   <a:glow rad="127000">
                     <a:prstClr val="white"/>
@@ -4208,16 +3896,6 @@
               </a:rPr>
             </a:br>
             <a:r>
-              <a:rPr lang="en-US" smtClean="0">
-                <a:effectLst>
-                  <a:glow rad="127000">
-                    <a:prstClr val="white"/>
-                  </a:glow>
-                </a:effectLst>
-              </a:rPr>
-              <a:t>tìm </a:t>
-            </a:r>
-            <a:r>
               <a:rPr lang="en-US">
                 <a:effectLst>
                   <a:glow rad="127000">
@@ -4225,7 +3903,7 @@
                   </a:glow>
                 </a:effectLst>
               </a:rPr>
-              <a:t>kieám ta.</a:t>
+              <a:t>tìm kieám ta.</a:t>
             </a:r>
           </a:p>
         </p:txBody>
@@ -4254,7 +3932,7 @@
           <a:p>
             <a:pPr algn="ctr"/>
             <a:r>
-              <a:rPr lang="en-US" sz="3400" smtClean="0">
+              <a:rPr lang="en-US" sz="3400" dirty="0">
                 <a:solidFill>
                   <a:srgbClr val="C00000"/>
                 </a:solidFill>
@@ -4263,7 +3941,7 @@
                     <a:prstClr val="white"/>
                   </a:glow>
                 </a:effectLst>
-                <a:latin typeface="HP-Kabel" pitchFamily="34" charset="0"/>
+                <a:latin typeface="VNI-Times" pitchFamily="2" charset="0"/>
               </a:rPr>
               <a:t>THAÙNH CA 75 – NOÂ-EÂN, ÑEÂM VUI THOÛA</a:t>
             </a:r>
@@ -4280,21 +3958,6 @@
   <p:clrMapOvr>
     <a:masterClrMapping/>
   </p:clrMapOvr>
-  <mc:AlternateContent xmlns:mc="http://schemas.openxmlformats.org/markup-compatibility/2006" xmlns:p14="http://schemas.microsoft.com/office/powerpoint/2010/main">
-    <mc:Choice Requires="p14">
-      <p:transition p14:dur="0"/>
-    </mc:Choice>
-    <mc:Fallback xmlns="">
-      <p:transition/>
-    </mc:Fallback>
-  </mc:AlternateContent>
-  <p:timing>
-    <p:tnLst>
-      <p:par>
-        <p:cTn id="1" dur="indefinite" restart="never" nodeType="tmRoot"/>
-      </p:par>
-    </p:tnLst>
-  </p:timing>
 </p:sld>
 </file>
 
@@ -4431,7 +4094,7 @@
           <a:p>
             <a:pPr algn="ctr"/>
             <a:r>
-              <a:rPr lang="en-US" sz="3400" smtClean="0">
+              <a:rPr lang="en-US" sz="3400" dirty="0">
                 <a:solidFill>
                   <a:srgbClr val="C00000"/>
                 </a:solidFill>
@@ -4440,7 +4103,7 @@
                     <a:prstClr val="white"/>
                   </a:glow>
                 </a:effectLst>
-                <a:latin typeface="HP-Kabel" pitchFamily="34" charset="0"/>
+                <a:latin typeface="VNI-Times" pitchFamily="2" charset="0"/>
               </a:rPr>
               <a:t>THAÙNH CA 75 – NOÂ-EÂN, ÑEÂM VUI THOÛA</a:t>
             </a:r>
@@ -4457,21 +4120,6 @@
   <p:clrMapOvr>
     <a:masterClrMapping/>
   </p:clrMapOvr>
-  <mc:AlternateContent xmlns:mc="http://schemas.openxmlformats.org/markup-compatibility/2006" xmlns:p14="http://schemas.microsoft.com/office/powerpoint/2010/main">
-    <mc:Choice Requires="p14">
-      <p:transition p14:dur="0"/>
-    </mc:Choice>
-    <mc:Fallback xmlns="">
-      <p:transition/>
-    </mc:Fallback>
-  </mc:AlternateContent>
-  <p:timing>
-    <p:tnLst>
-      <p:par>
-        <p:cTn id="1" dur="indefinite" restart="never" nodeType="tmRoot"/>
-      </p:par>
-    </p:tnLst>
-  </p:timing>
 </p:sld>
 </file>
 
